--- a/Udemy/Lecture 1 - Application Design/_09_ApplicationDesign-Step7_Screen.pptx
+++ b/Udemy/Lecture 1 - Application Design/_09_ApplicationDesign-Step7_Screen.pptx
@@ -306,7 +306,7 @@
           <a:p>
             <a:fld id="{D2BDCC73-4DDF-49AB-AEE1-BCC66D6EB140}" type="datetimeFigureOut">
               <a:rPr lang="en-GB" smtClean="0"/>
-              <a:t>08/12/2018</a:t>
+              <a:t>31/07/2019</a:t>
             </a:fld>
             <a:endParaRPr lang="en-GB" dirty="0"/>
           </a:p>
@@ -516,7 +516,7 @@
           <a:p>
             <a:fld id="{D2BDCC73-4DDF-49AB-AEE1-BCC66D6EB140}" type="datetimeFigureOut">
               <a:rPr lang="en-GB" smtClean="0"/>
-              <a:t>08/12/2018</a:t>
+              <a:t>31/07/2019</a:t>
             </a:fld>
             <a:endParaRPr lang="en-GB" dirty="0"/>
           </a:p>
@@ -720,7 +720,7 @@
           <a:p>
             <a:fld id="{D2BDCC73-4DDF-49AB-AEE1-BCC66D6EB140}" type="datetimeFigureOut">
               <a:rPr lang="en-GB" smtClean="0"/>
-              <a:t>08/12/2018</a:t>
+              <a:t>31/07/2019</a:t>
             </a:fld>
             <a:endParaRPr lang="en-GB" dirty="0"/>
           </a:p>
@@ -890,7 +890,7 @@
           <a:p>
             <a:fld id="{D2BDCC73-4DDF-49AB-AEE1-BCC66D6EB140}" type="datetimeFigureOut">
               <a:rPr lang="en-GB" smtClean="0"/>
-              <a:t>08/12/2018</a:t>
+              <a:t>31/07/2019</a:t>
             </a:fld>
             <a:endParaRPr lang="en-GB" dirty="0"/>
           </a:p>
@@ -1140,7 +1140,7 @@
           <a:p>
             <a:fld id="{D2BDCC73-4DDF-49AB-AEE1-BCC66D6EB140}" type="datetimeFigureOut">
               <a:rPr lang="en-GB" smtClean="0"/>
-              <a:t>08/12/2018</a:t>
+              <a:t>31/07/2019</a:t>
             </a:fld>
             <a:endParaRPr lang="en-GB" dirty="0"/>
           </a:p>
@@ -1372,7 +1372,7 @@
           <a:p>
             <a:fld id="{D2BDCC73-4DDF-49AB-AEE1-BCC66D6EB140}" type="datetimeFigureOut">
               <a:rPr lang="en-GB" smtClean="0"/>
-              <a:t>08/12/2018</a:t>
+              <a:t>31/07/2019</a:t>
             </a:fld>
             <a:endParaRPr lang="en-GB" dirty="0"/>
           </a:p>
@@ -1741,7 +1741,7 @@
           <a:p>
             <a:fld id="{D2BDCC73-4DDF-49AB-AEE1-BCC66D6EB140}" type="datetimeFigureOut">
               <a:rPr lang="en-GB" smtClean="0"/>
-              <a:t>08/12/2018</a:t>
+              <a:t>31/07/2019</a:t>
             </a:fld>
             <a:endParaRPr lang="en-GB" dirty="0"/>
           </a:p>
@@ -1859,7 +1859,7 @@
           <a:p>
             <a:fld id="{D2BDCC73-4DDF-49AB-AEE1-BCC66D6EB140}" type="datetimeFigureOut">
               <a:rPr lang="en-GB" smtClean="0"/>
-              <a:t>08/12/2018</a:t>
+              <a:t>31/07/2019</a:t>
             </a:fld>
             <a:endParaRPr lang="en-GB" dirty="0"/>
           </a:p>
@@ -1954,7 +1954,7 @@
           <a:p>
             <a:fld id="{D2BDCC73-4DDF-49AB-AEE1-BCC66D6EB140}" type="datetimeFigureOut">
               <a:rPr lang="en-GB" smtClean="0"/>
-              <a:t>08/12/2018</a:t>
+              <a:t>31/07/2019</a:t>
             </a:fld>
             <a:endParaRPr lang="en-GB" dirty="0"/>
           </a:p>
@@ -2235,7 +2235,7 @@
           <a:p>
             <a:fld id="{D2BDCC73-4DDF-49AB-AEE1-BCC66D6EB140}" type="datetimeFigureOut">
               <a:rPr lang="en-GB" smtClean="0"/>
-              <a:t>08/12/2018</a:t>
+              <a:t>31/07/2019</a:t>
             </a:fld>
             <a:endParaRPr lang="en-GB" dirty="0"/>
           </a:p>
@@ -2490,7 +2490,7 @@
           <a:p>
             <a:fld id="{D2BDCC73-4DDF-49AB-AEE1-BCC66D6EB140}" type="datetimeFigureOut">
               <a:rPr lang="en-GB" smtClean="0"/>
-              <a:t>08/12/2018</a:t>
+              <a:t>31/07/2019</a:t>
             </a:fld>
             <a:endParaRPr lang="en-GB" dirty="0"/>
           </a:p>
@@ -2749,7 +2749,7 @@
           <a:p>
             <a:fld id="{D2BDCC73-4DDF-49AB-AEE1-BCC66D6EB140}" type="datetimeFigureOut">
               <a:rPr lang="en-GB" smtClean="0"/>
-              <a:t>08/12/2018</a:t>
+              <a:t>31/07/2019</a:t>
             </a:fld>
             <a:endParaRPr lang="en-GB" dirty="0"/>
           </a:p>
@@ -3695,7 +3695,7 @@
             <a:r>
               <a:rPr lang="en-US" dirty="0">
                 <a:solidFill>
-                  <a:srgbClr val="CACF0B"/>
+                  <a:srgbClr val="FFC000"/>
                 </a:solidFill>
                 <a:latin typeface="+mn-lt"/>
               </a:rPr>
@@ -3703,11 +3703,9 @@
             </a:r>
             <a:endParaRPr lang="en-US" kern="1200" dirty="0">
               <a:solidFill>
-                <a:srgbClr val="CACF0B"/>
+                <a:srgbClr val="FFC000"/>
               </a:solidFill>
               <a:latin typeface="+mn-lt"/>
-              <a:ea typeface="+mn-ea"/>
-              <a:cs typeface="+mn-cs"/>
             </a:endParaRPr>
           </a:p>
         </p:txBody>
@@ -4308,16 +4306,12 @@
           <a:lstStyle/>
           <a:p>
             <a:r>
-              <a:rPr lang="en-US" sz="4400" kern="1200" dirty="0"/>
-              <a:t>Step 7 </a:t>
-            </a:r>
-            <a:r>
               <a:rPr lang="en-US" sz="4400" kern="1200" dirty="0">
                 <a:solidFill>
-                  <a:schemeClr val="tx1"/>
+                  <a:srgbClr val="FFC000"/>
                 </a:solidFill>
               </a:rPr>
-              <a:t> </a:t>
+              <a:t>Step 7  </a:t>
             </a:r>
             <a:r>
               <a:rPr lang="en-GB" sz="4400" dirty="0">
@@ -4366,6 +4360,9 @@
           <a:p>
             <a:pPr>
               <a:buSzPct val="90000"/>
+              <a:buBlip>
+                <a:blip r:embed="rId2"/>
+              </a:buBlip>
             </a:pPr>
             <a:r>
               <a:rPr lang="en-GB" dirty="0">
@@ -4376,9 +4373,9 @@
               <a:t>These are our </a:t>
             </a:r>
             <a:r>
-              <a:rPr lang="en-GB" dirty="0">
+              <a:rPr lang="en-GB" b="1" dirty="0">
                 <a:solidFill>
-                  <a:srgbClr val="CACF0B"/>
+                  <a:srgbClr val="FFC000"/>
                 </a:solidFill>
               </a:rPr>
               <a:t>dynamic</a:t>
@@ -4395,6 +4392,9 @@
           <a:p>
             <a:pPr lvl="1">
               <a:buSzPct val="90000"/>
+              <a:buBlip>
+                <a:blip r:embed="rId2"/>
+              </a:buBlip>
             </a:pPr>
             <a:r>
               <a:rPr lang="en-GB" dirty="0">
@@ -4408,6 +4408,9 @@
           <a:p>
             <a:pPr lvl="1">
               <a:buSzPct val="90000"/>
+              <a:buBlip>
+                <a:blip r:embed="rId2"/>
+              </a:buBlip>
             </a:pPr>
             <a:r>
               <a:rPr lang="en-GB" dirty="0">
@@ -4421,6 +4424,9 @@
           <a:p>
             <a:pPr lvl="1">
               <a:buSzPct val="90000"/>
+              <a:buBlip>
+                <a:blip r:embed="rId2"/>
+              </a:buBlip>
             </a:pPr>
             <a:r>
               <a:rPr lang="en-GB" dirty="0">
@@ -4434,6 +4440,9 @@
           <a:p>
             <a:pPr lvl="1">
               <a:buSzPct val="90000"/>
+              <a:buBlip>
+                <a:blip r:embed="rId2"/>
+              </a:buBlip>
             </a:pPr>
             <a:r>
               <a:rPr lang="en-GB" dirty="0">
@@ -4462,6 +4471,9 @@
           <a:p>
             <a:pPr>
               <a:buSzPct val="90000"/>
+              <a:buBlip>
+                <a:blip r:embed="rId2"/>
+              </a:buBlip>
             </a:pPr>
             <a:r>
               <a:rPr lang="en-GB" dirty="0">
@@ -4469,19 +4481,27 @@
                   <a:schemeClr val="bg1"/>
                 </a:solidFill>
               </a:rPr>
-              <a:t>Our API will be a C# Web API 2.0 </a:t>
+              <a:t>Our API will be a </a:t>
+            </a:r>
+            <a:r>
+              <a:rPr lang="en-GB" b="1" dirty="0">
+                <a:solidFill>
+                  <a:srgbClr val="FFC000"/>
+                </a:solidFill>
+              </a:rPr>
+              <a:t>C# Web API 2.0 </a:t>
             </a:r>
             <a:br>
-              <a:rPr lang="en-GB" dirty="0">
+              <a:rPr lang="en-GB" b="1" dirty="0">
                 <a:solidFill>
-                  <a:schemeClr val="bg1"/>
+                  <a:srgbClr val="FFC000"/>
                 </a:solidFill>
               </a:rPr>
             </a:br>
             <a:r>
-              <a:rPr lang="en-GB" dirty="0">
+              <a:rPr lang="en-GB" b="1" dirty="0">
                 <a:solidFill>
-                  <a:schemeClr val="bg1"/>
+                  <a:srgbClr val="FFC000"/>
                 </a:solidFill>
               </a:rPr>
               <a:t>app serving JSON data</a:t>
@@ -4504,7 +4524,7 @@
           <p:nvPr/>
         </p:nvPicPr>
         <p:blipFill>
-          <a:blip r:embed="rId2">
+          <a:blip r:embed="rId3">
             <a:extLst>
               <a:ext uri="{28A0092B-C50C-407E-A947-70E740481C1C}">
                 <a14:useLocalDpi xmlns:a14="http://schemas.microsoft.com/office/drawing/2010/main" val="0"/>
@@ -5070,7 +5090,7 @@
 <file path=ppt/theme/theme1.xml><?xml version="1.0" encoding="utf-8"?>
 <a:theme xmlns:a="http://schemas.openxmlformats.org/drawingml/2006/main" name="Office Theme">
   <a:themeElements>
-    <a:clrScheme name="Office">
+    <a:clrScheme name="Red Orange">
       <a:dk1>
         <a:sysClr val="windowText" lastClr="000000"/>
       </a:dk1>
@@ -5078,34 +5098,34 @@
         <a:sysClr val="window" lastClr="FFFFFF"/>
       </a:lt1>
       <a:dk2>
-        <a:srgbClr val="44546A"/>
+        <a:srgbClr val="505046"/>
       </a:dk2>
       <a:lt2>
-        <a:srgbClr val="E7E6E6"/>
+        <a:srgbClr val="EEECE1"/>
       </a:lt2>
       <a:accent1>
-        <a:srgbClr val="5B9BD5"/>
+        <a:srgbClr val="E84C22"/>
       </a:accent1>
       <a:accent2>
-        <a:srgbClr val="ED7D31"/>
+        <a:srgbClr val="FFBD47"/>
       </a:accent2>
       <a:accent3>
-        <a:srgbClr val="A5A5A5"/>
+        <a:srgbClr val="B64926"/>
       </a:accent3>
       <a:accent4>
-        <a:srgbClr val="FFC000"/>
+        <a:srgbClr val="FF8427"/>
       </a:accent4>
       <a:accent5>
-        <a:srgbClr val="4472C4"/>
+        <a:srgbClr val="CC9900"/>
       </a:accent5>
       <a:accent6>
-        <a:srgbClr val="70AD47"/>
+        <a:srgbClr val="B22600"/>
       </a:accent6>
       <a:hlink>
-        <a:srgbClr val="0563C1"/>
+        <a:srgbClr val="CC9900"/>
       </a:hlink>
       <a:folHlink>
-        <a:srgbClr val="954F72"/>
+        <a:srgbClr val="666699"/>
       </a:folHlink>
     </a:clrScheme>
     <a:fontScheme name="Office">
